--- a/HT-4/Optica BAC-09-Metamodelo.pptx
+++ b/HT-4/Optica BAC-09-Metamodelo.pptx
@@ -213,7 +213,7 @@
           <a:p>
             <a:fld id="{C84E95E0-43A6-4D53-BDBE-E8A6E9BC4F1E}" type="datetimeFigureOut">
               <a:rPr lang="es-ES" smtClean="0"/>
-              <a:t>16/09/2021</a:t>
+              <a:t>06/09/2022</a:t>
             </a:fld>
             <a:endParaRPr lang="es-ES"/>
           </a:p>
@@ -1909,7 +1909,7 @@
           <p:nvPr>
             <p:extLst>
               <p:ext uri="{D42A27DB-BD31-4B8C-83A1-F6EECF244321}">
-                <p14:modId xmlns:p14="http://schemas.microsoft.com/office/powerpoint/2010/main" val="2675699945"/>
+                <p14:modId xmlns:p14="http://schemas.microsoft.com/office/powerpoint/2010/main" val="4234292391"/>
               </p:ext>
             </p:extLst>
           </p:nvPr>
@@ -1982,8 +1982,19 @@
                           <a:latin typeface="Arial" panose="020B0604020202020204" pitchFamily="34" charset="0"/>
                           <a:cs typeface="Arial" panose="020B0604020202020204" pitchFamily="34" charset="0"/>
                         </a:rPr>
-                        <a:t>Negocio:</a:t>
+                        <a:t>Negocio: </a:t>
                       </a:r>
+                      <a:r>
+                        <a:rPr lang="es-CO" sz="1200" dirty="0">
+                          <a:latin typeface="Arial" panose="020B0604020202020204" pitchFamily="34" charset="0"/>
+                          <a:cs typeface="Arial" panose="020B0604020202020204" pitchFamily="34" charset="0"/>
+                        </a:rPr>
+                        <a:t>Óptica</a:t>
+                      </a:r>
+                      <a:endParaRPr lang="es-ES_tradnl" sz="1200" dirty="0">
+                        <a:latin typeface="Arial" panose="020B0604020202020204" pitchFamily="34" charset="0"/>
+                        <a:cs typeface="Arial" panose="020B0604020202020204" pitchFamily="34" charset="0"/>
+                      </a:endParaRPr>
                     </a:p>
                   </a:txBody>
                   <a:tcPr anchor="ctr"/>
@@ -1998,8 +2009,33 @@
                           <a:latin typeface="Arial" panose="020B0604020202020204" pitchFamily="34" charset="0"/>
                           <a:cs typeface="Arial" panose="020B0604020202020204" pitchFamily="34" charset="0"/>
                         </a:rPr>
-                        <a:t>Autor:</a:t>
+                        <a:t>Autor: </a:t>
                       </a:r>
+                      <a:r>
+                        <a:rPr lang="es-ES_tradnl" sz="1200" dirty="0" err="1">
+                          <a:latin typeface="Arial" panose="020B0604020202020204" pitchFamily="34" charset="0"/>
+                          <a:cs typeface="Arial" panose="020B0604020202020204" pitchFamily="34" charset="0"/>
+                        </a:rPr>
+                        <a:t>j.yepes</a:t>
+                      </a:r>
+                      <a:r>
+                        <a:rPr lang="es-ES_tradnl" sz="1200" dirty="0">
+                          <a:latin typeface="Arial" panose="020B0604020202020204" pitchFamily="34" charset="0"/>
+                          <a:cs typeface="Arial" panose="020B0604020202020204" pitchFamily="34" charset="0"/>
+                        </a:rPr>
+                        <a:t> – </a:t>
+                      </a:r>
+                      <a:r>
+                        <a:rPr lang="es-ES_tradnl" sz="1200" dirty="0" err="1">
+                          <a:latin typeface="Arial" panose="020B0604020202020204" pitchFamily="34" charset="0"/>
+                          <a:cs typeface="Arial" panose="020B0604020202020204" pitchFamily="34" charset="0"/>
+                        </a:rPr>
+                        <a:t>s.pardog</a:t>
+                      </a:r>
+                      <a:endParaRPr lang="es-ES_tradnl" sz="1200" dirty="0">
+                        <a:latin typeface="Arial" panose="020B0604020202020204" pitchFamily="34" charset="0"/>
+                        <a:cs typeface="Arial" panose="020B0604020202020204" pitchFamily="34" charset="0"/>
+                      </a:endParaRPr>
                     </a:p>
                   </a:txBody>
                   <a:tcPr anchor="ctr"/>
@@ -2014,7 +2050,7 @@
                           <a:latin typeface="Arial" panose="020B0604020202020204" pitchFamily="34" charset="0"/>
                           <a:cs typeface="Arial" panose="020B0604020202020204" pitchFamily="34" charset="0"/>
                         </a:rPr>
-                        <a:t>Fecha:</a:t>
+                        <a:t>Fecha: 05/09/2022</a:t>
                       </a:r>
                     </a:p>
                   </a:txBody>
@@ -2065,6 +2101,36 @@
           </a:p>
         </p:txBody>
       </p:sp>
+      <p:pic>
+        <p:nvPicPr>
+          <p:cNvPr id="6" name="Imagen 5">
+            <a:extLst>
+              <a:ext uri="{FF2B5EF4-FFF2-40B4-BE49-F238E27FC236}">
+                <a16:creationId xmlns:a16="http://schemas.microsoft.com/office/drawing/2014/main" id="{AA924DEB-B862-F68C-CEE4-A452AC492879}"/>
+              </a:ext>
+            </a:extLst>
+          </p:cNvPr>
+          <p:cNvPicPr>
+            <a:picLocks noChangeAspect="1"/>
+          </p:cNvPicPr>
+          <p:nvPr/>
+        </p:nvPicPr>
+        <p:blipFill>
+          <a:blip r:embed="rId2"/>
+          <a:stretch>
+            <a:fillRect/>
+          </a:stretch>
+        </p:blipFill>
+        <p:spPr>
+          <a:xfrm>
+            <a:off x="1457174" y="911140"/>
+            <a:ext cx="8058301" cy="4553161"/>
+          </a:xfrm>
+          <a:prstGeom prst="rect">
+            <a:avLst/>
+          </a:prstGeom>
+        </p:spPr>
+      </p:pic>
     </p:spTree>
     <p:extLst>
       <p:ext uri="{BB962C8B-B14F-4D97-AF65-F5344CB8AC3E}">
